--- a/iteration-3/presentation/Milestone 3.pptx
+++ b/iteration-3/presentation/Milestone 3.pptx
@@ -281,7 +281,7 @@
       </p15:sldGuideLst>
     </p:ext>
     <p:ext uri="http://customooxmlschemas.google.com/">
-      <go:slidesCustomData xmlns:go="http://customooxmlschemas.google.com/" r:id="rId23" roundtripDataSignature="AMtx7miuqHV8A61InnM3+493ljMvoX3dXA=="/>
+      <go:slidesCustomData xmlns:go="http://customooxmlschemas.google.com/" r:id="rId23" roundtripDataSignature="AMtx7mjyCepHgh0ceGf2mrKjF/yVO/Gzig=="/>
     </p:ext>
   </p:extLst>
 </p:presentation>
@@ -977,7 +977,7 @@
   <p:cSld>
     <p:spTree>
       <p:nvGrpSpPr>
-        <p:cNvPr id="61" name="Shape 61"/>
+        <p:cNvPr id="62" name="Shape 62"/>
         <p:cNvGrpSpPr/>
         <p:nvPr/>
       </p:nvGrpSpPr>
@@ -991,7 +991,7 @@
       </p:grpSpPr>
       <p:sp>
         <p:nvSpPr>
-          <p:cNvPr id="62" name="Google Shape;62;p2:notes"/>
+          <p:cNvPr id="63" name="Google Shape;63;p2:notes"/>
           <p:cNvSpPr/>
           <p:nvPr>
             <p:ph idx="2" type="sldImg"/>
@@ -1036,7 +1036,7 @@
       </p:sp>
       <p:sp>
         <p:nvSpPr>
-          <p:cNvPr id="63" name="Google Shape;63;p2:notes"/>
+          <p:cNvPr id="64" name="Google Shape;64;p2:notes"/>
           <p:cNvSpPr txBox="1"/>
           <p:nvPr>
             <p:ph idx="1" type="body"/>
@@ -1075,7 +1075,86 @@
               <a:buNone/>
             </a:pPr>
             <a:r>
+              <a:rPr lang="en-US"/>
+              <a:t>Framework7: makes our lives easier and our app better</a:t>
+            </a:r>
+            <a:endParaRPr/>
+          </a:p>
+          <a:p>
+            <a:pPr indent="0" lvl="0" marL="0" rtl="0" algn="l">
+              <a:lnSpc>
+                <a:spcPct val="100000"/>
+              </a:lnSpc>
+              <a:spcBef>
+                <a:spcPts val="0"/>
+              </a:spcBef>
+              <a:spcAft>
+                <a:spcPts val="0"/>
+              </a:spcAft>
+              <a:buSzPts val="1400"/>
+              <a:buNone/>
+            </a:pPr>
+            <a:r>
               <a:t/>
+            </a:r>
+            <a:endParaRPr/>
+          </a:p>
+          <a:p>
+            <a:pPr indent="0" lvl="0" marL="0" rtl="0" algn="l">
+              <a:lnSpc>
+                <a:spcPct val="100000"/>
+              </a:lnSpc>
+              <a:spcBef>
+                <a:spcPts val="0"/>
+              </a:spcBef>
+              <a:spcAft>
+                <a:spcPts val="0"/>
+              </a:spcAft>
+              <a:buSzPts val="1400"/>
+              <a:buNone/>
+            </a:pPr>
+            <a:r>
+              <a:rPr lang="en-US"/>
+              <a:t>Decision for material design -&gt; More familiar to us; higher market share in Germany</a:t>
+            </a:r>
+            <a:endParaRPr/>
+          </a:p>
+          <a:p>
+            <a:pPr indent="0" lvl="0" marL="0" rtl="0" algn="l">
+              <a:lnSpc>
+                <a:spcPct val="100000"/>
+              </a:lnSpc>
+              <a:spcBef>
+                <a:spcPts val="0"/>
+              </a:spcBef>
+              <a:spcAft>
+                <a:spcPts val="0"/>
+              </a:spcAft>
+              <a:buSzPts val="1400"/>
+              <a:buNone/>
+            </a:pPr>
+            <a:r>
+              <a:t/>
+            </a:r>
+            <a:endParaRPr/>
+          </a:p>
+          <a:p>
+            <a:pPr indent="0" lvl="0" marL="0" rtl="0" algn="l">
+              <a:lnSpc>
+                <a:spcPct val="100000"/>
+              </a:lnSpc>
+              <a:spcBef>
+                <a:spcPts val="0"/>
+              </a:spcBef>
+              <a:spcAft>
+                <a:spcPts val="0"/>
+              </a:spcAft>
+              <a:buSzPts val="1400"/>
+              <a:buNone/>
+            </a:pPr>
+            <a:r>
+              <a:rPr lang="en-US"/>
+              <a:t>modular build -&gt; clear and well structured code; easier to read as an outsider; </a:t>
             </a:r>
             <a:endParaRPr/>
           </a:p>
@@ -1094,7 +1173,7 @@
   <p:cSld>
     <p:spTree>
       <p:nvGrpSpPr>
-        <p:cNvPr id="67" name="Shape 67"/>
+        <p:cNvPr id="69" name="Shape 69"/>
         <p:cNvGrpSpPr/>
         <p:nvPr/>
       </p:nvGrpSpPr>
@@ -1108,7 +1187,7 @@
       </p:grpSpPr>
       <p:sp>
         <p:nvSpPr>
-          <p:cNvPr id="68" name="Google Shape;68;g107b062fc85_0_0:notes"/>
+          <p:cNvPr id="70" name="Google Shape;70;g107b062fc85_0_0:notes"/>
           <p:cNvSpPr/>
           <p:nvPr>
             <p:ph idx="2" type="sldImg"/>
@@ -1143,7 +1222,7 @@
       </p:sp>
       <p:sp>
         <p:nvSpPr>
-          <p:cNvPr id="69" name="Google Shape;69;g107b062fc85_0_0:notes"/>
+          <p:cNvPr id="71" name="Google Shape;71;g107b062fc85_0_0:notes"/>
           <p:cNvSpPr txBox="1"/>
           <p:nvPr>
             <p:ph idx="1" type="body"/>
@@ -1193,7 +1272,7 @@
   <p:cSld>
     <p:spTree>
       <p:nvGrpSpPr>
-        <p:cNvPr id="76" name="Shape 76"/>
+        <p:cNvPr id="79" name="Shape 79"/>
         <p:cNvGrpSpPr/>
         <p:nvPr/>
       </p:nvGrpSpPr>
@@ -1207,7 +1286,7 @@
       </p:grpSpPr>
       <p:sp>
         <p:nvSpPr>
-          <p:cNvPr id="77" name="Google Shape;77;g107d13f02a7_0_0:notes"/>
+          <p:cNvPr id="80" name="Google Shape;80;g107d13f02a7_0_0:notes"/>
           <p:cNvSpPr/>
           <p:nvPr>
             <p:ph idx="2" type="sldImg"/>
@@ -1242,7 +1321,7 @@
       </p:sp>
       <p:sp>
         <p:nvSpPr>
-          <p:cNvPr id="78" name="Google Shape;78;g107d13f02a7_0_0:notes"/>
+          <p:cNvPr id="81" name="Google Shape;81;g107d13f02a7_0_0:notes"/>
           <p:cNvSpPr txBox="1"/>
           <p:nvPr>
             <p:ph idx="1" type="body"/>
@@ -1292,7 +1371,7 @@
   <p:cSld>
     <p:spTree>
       <p:nvGrpSpPr>
-        <p:cNvPr id="84" name="Shape 84"/>
+        <p:cNvPr id="88" name="Shape 88"/>
         <p:cNvGrpSpPr/>
         <p:nvPr/>
       </p:nvGrpSpPr>
@@ -1306,7 +1385,7 @@
       </p:grpSpPr>
       <p:sp>
         <p:nvSpPr>
-          <p:cNvPr id="85" name="Google Shape;85;g107d13f02a7_0_9:notes"/>
+          <p:cNvPr id="89" name="Google Shape;89;g107d13f02a7_0_9:notes"/>
           <p:cNvSpPr/>
           <p:nvPr>
             <p:ph idx="2" type="sldImg"/>
@@ -1341,7 +1420,7 @@
       </p:sp>
       <p:sp>
         <p:nvSpPr>
-          <p:cNvPr id="86" name="Google Shape;86;g107d13f02a7_0_9:notes"/>
+          <p:cNvPr id="90" name="Google Shape;90;g107d13f02a7_0_9:notes"/>
           <p:cNvSpPr txBox="1"/>
           <p:nvPr>
             <p:ph idx="1" type="body"/>
@@ -1391,7 +1470,7 @@
   <p:cSld>
     <p:spTree>
       <p:nvGrpSpPr>
-        <p:cNvPr id="92" name="Shape 92"/>
+        <p:cNvPr id="97" name="Shape 97"/>
         <p:cNvGrpSpPr/>
         <p:nvPr/>
       </p:nvGrpSpPr>
@@ -1405,7 +1484,7 @@
       </p:grpSpPr>
       <p:sp>
         <p:nvSpPr>
-          <p:cNvPr id="93" name="Google Shape;93;p5:notes"/>
+          <p:cNvPr id="98" name="Google Shape;98;p5:notes"/>
           <p:cNvSpPr/>
           <p:nvPr>
             <p:ph idx="2" type="sldImg"/>
@@ -1450,7 +1529,7 @@
       </p:sp>
       <p:sp>
         <p:nvSpPr>
-          <p:cNvPr id="94" name="Google Shape;94;p5:notes"/>
+          <p:cNvPr id="99" name="Google Shape;99;p5:notes"/>
           <p:cNvSpPr txBox="1"/>
           <p:nvPr>
             <p:ph idx="1" type="body"/>
@@ -1508,7 +1587,7 @@
   <p:cSld>
     <p:spTree>
       <p:nvGrpSpPr>
-        <p:cNvPr id="98" name="Shape 98"/>
+        <p:cNvPr id="104" name="Shape 104"/>
         <p:cNvGrpSpPr/>
         <p:nvPr/>
       </p:nvGrpSpPr>
@@ -1522,7 +1601,7 @@
       </p:grpSpPr>
       <p:sp>
         <p:nvSpPr>
-          <p:cNvPr id="99" name="Google Shape;99;g107691bddd6_0_0:notes"/>
+          <p:cNvPr id="105" name="Google Shape;105;g107691bddd6_0_0:notes"/>
           <p:cNvSpPr/>
           <p:nvPr>
             <p:ph idx="2" type="sldImg"/>
@@ -1557,7 +1636,7 @@
       </p:sp>
       <p:sp>
         <p:nvSpPr>
-          <p:cNvPr id="100" name="Google Shape;100;g107691bddd6_0_0:notes"/>
+          <p:cNvPr id="106" name="Google Shape;106;g107691bddd6_0_0:notes"/>
           <p:cNvSpPr txBox="1"/>
           <p:nvPr>
             <p:ph idx="1" type="body"/>
@@ -1607,7 +1686,7 @@
   <p:cSld>
     <p:spTree>
       <p:nvGrpSpPr>
-        <p:cNvPr id="105" name="Shape 105"/>
+        <p:cNvPr id="112" name="Shape 112"/>
         <p:cNvGrpSpPr/>
         <p:nvPr/>
       </p:nvGrpSpPr>
@@ -1621,7 +1700,7 @@
       </p:grpSpPr>
       <p:sp>
         <p:nvSpPr>
-          <p:cNvPr id="106" name="Google Shape;106;g107691bddd6_0_13:notes"/>
+          <p:cNvPr id="113" name="Google Shape;113;g107691bddd6_0_13:notes"/>
           <p:cNvSpPr/>
           <p:nvPr>
             <p:ph idx="2" type="sldImg"/>
@@ -1656,7 +1735,7 @@
       </p:sp>
       <p:sp>
         <p:nvSpPr>
-          <p:cNvPr id="107" name="Google Shape;107;g107691bddd6_0_13:notes"/>
+          <p:cNvPr id="114" name="Google Shape;114;g107691bddd6_0_13:notes"/>
           <p:cNvSpPr txBox="1"/>
           <p:nvPr>
             <p:ph idx="1" type="body"/>
@@ -1706,7 +1785,7 @@
   <p:cSld>
     <p:spTree>
       <p:nvGrpSpPr>
-        <p:cNvPr id="113" name="Shape 113"/>
+        <p:cNvPr id="121" name="Shape 121"/>
         <p:cNvGrpSpPr/>
         <p:nvPr/>
       </p:nvGrpSpPr>
@@ -1720,7 +1799,7 @@
       </p:grpSpPr>
       <p:sp>
         <p:nvSpPr>
-          <p:cNvPr id="114" name="Google Shape;114;p6:notes"/>
+          <p:cNvPr id="122" name="Google Shape;122;p6:notes"/>
           <p:cNvSpPr/>
           <p:nvPr>
             <p:ph idx="2" type="sldImg"/>
@@ -1765,7 +1844,7 @@
       </p:sp>
       <p:sp>
         <p:nvSpPr>
-          <p:cNvPr id="115" name="Google Shape;115;p6:notes"/>
+          <p:cNvPr id="123" name="Google Shape;123;p6:notes"/>
           <p:cNvSpPr txBox="1"/>
           <p:nvPr>
             <p:ph idx="1" type="body"/>
@@ -9605,7 +9684,7 @@
     <p:sldLayoutId id="2147483658" r:id="rId10"/>
     <p:sldLayoutId id="2147483659" r:id="rId11"/>
   </p:sldLayoutIdLst>
-  <p:hf dt="0" ftr="0" hdr="0" sldNum="0"/>
+  <p:hf dt="0" ftr="0" hdr="0"/>
   <p:txStyles>
     <p:titleStyle>
       <a:defPPr lvl="0" marR="0" rtl="0" algn="l">
@@ -10390,6 +10469,51 @@
           </a:ln>
         </p:spPr>
       </p:pic>
+      <p:sp>
+        <p:nvSpPr>
+          <p:cNvPr id="61" name="Google Shape;61;p1"/>
+          <p:cNvSpPr txBox="1"/>
+          <p:nvPr>
+            <p:ph idx="12" type="sldNum"/>
+          </p:nvPr>
+        </p:nvSpPr>
+        <p:spPr>
+          <a:xfrm>
+            <a:off x="8490250" y="4681009"/>
+            <a:ext cx="548700" cy="393600"/>
+          </a:xfrm>
+          <a:prstGeom prst="rect">
+            <a:avLst/>
+          </a:prstGeom>
+        </p:spPr>
+        <p:txBody>
+          <a:bodyPr anchorCtr="0" anchor="ctr" bIns="91425" lIns="91425" spcFirstLastPara="1" rIns="91425" wrap="square" tIns="91425">
+            <a:normAutofit/>
+          </a:bodyPr>
+          <a:lstStyle/>
+          <a:p>
+            <a:pPr indent="0" lvl="0" marL="0" rtl="0" algn="r">
+              <a:spcBef>
+                <a:spcPts val="0"/>
+              </a:spcBef>
+              <a:spcAft>
+                <a:spcPts val="0"/>
+              </a:spcAft>
+              <a:buClr>
+                <a:srgbClr val="000000"/>
+              </a:buClr>
+              <a:buSzPts val="1000"/>
+              <a:buFont typeface="Arial"/>
+              <a:buNone/>
+            </a:pPr>
+            <a:fld id="{00000000-1234-1234-1234-123412341234}" type="slidenum">
+              <a:rPr lang="en-US"/>
+              <a:t>‹#›</a:t>
+            </a:fld>
+            <a:endParaRPr/>
+          </a:p>
+        </p:txBody>
+      </p:sp>
     </p:spTree>
   </p:cSld>
   <p:clrMapOvr>
@@ -10403,7 +10527,7 @@
   <p:cSld>
     <p:spTree>
       <p:nvGrpSpPr>
-        <p:cNvPr id="64" name="Shape 64"/>
+        <p:cNvPr id="65" name="Shape 65"/>
         <p:cNvGrpSpPr/>
         <p:nvPr/>
       </p:nvGrpSpPr>
@@ -10417,7 +10541,7 @@
       </p:grpSpPr>
       <p:sp>
         <p:nvSpPr>
-          <p:cNvPr id="65" name="Google Shape;65;p2"/>
+          <p:cNvPr id="66" name="Google Shape;66;p2"/>
           <p:cNvSpPr txBox="1"/>
           <p:nvPr>
             <p:ph idx="2" type="body"/>
@@ -10700,7 +10824,7 @@
       </p:sp>
       <p:pic>
         <p:nvPicPr>
-          <p:cNvPr id="66" name="Google Shape;66;p2"/>
+          <p:cNvPr id="67" name="Google Shape;67;p2"/>
           <p:cNvPicPr preferRelativeResize="0"/>
           <p:nvPr/>
         </p:nvPicPr>
@@ -10734,6 +10858,51 @@
           </a:effectLst>
         </p:spPr>
       </p:pic>
+      <p:sp>
+        <p:nvSpPr>
+          <p:cNvPr id="68" name="Google Shape;68;p2"/>
+          <p:cNvSpPr txBox="1"/>
+          <p:nvPr>
+            <p:ph idx="12" type="sldNum"/>
+          </p:nvPr>
+        </p:nvSpPr>
+        <p:spPr>
+          <a:xfrm>
+            <a:off x="8490250" y="4681009"/>
+            <a:ext cx="548700" cy="393600"/>
+          </a:xfrm>
+          <a:prstGeom prst="rect">
+            <a:avLst/>
+          </a:prstGeom>
+        </p:spPr>
+        <p:txBody>
+          <a:bodyPr anchorCtr="0" anchor="ctr" bIns="91425" lIns="91425" spcFirstLastPara="1" rIns="91425" wrap="square" tIns="91425">
+            <a:normAutofit/>
+          </a:bodyPr>
+          <a:lstStyle/>
+          <a:p>
+            <a:pPr indent="0" lvl="0" marL="0" rtl="0" algn="r">
+              <a:spcBef>
+                <a:spcPts val="0"/>
+              </a:spcBef>
+              <a:spcAft>
+                <a:spcPts val="0"/>
+              </a:spcAft>
+              <a:buClr>
+                <a:srgbClr val="000000"/>
+              </a:buClr>
+              <a:buSzPts val="1000"/>
+              <a:buFont typeface="Arial"/>
+              <a:buNone/>
+            </a:pPr>
+            <a:fld id="{00000000-1234-1234-1234-123412341234}" type="slidenum">
+              <a:rPr lang="en-US"/>
+              <a:t>‹#›</a:t>
+            </a:fld>
+            <a:endParaRPr/>
+          </a:p>
+        </p:txBody>
+      </p:sp>
     </p:spTree>
   </p:cSld>
   <p:clrMapOvr>
@@ -10747,7 +10916,7 @@
   <p:cSld>
     <p:spTree>
       <p:nvGrpSpPr>
-        <p:cNvPr id="70" name="Shape 70"/>
+        <p:cNvPr id="72" name="Shape 72"/>
         <p:cNvGrpSpPr/>
         <p:nvPr/>
       </p:nvGrpSpPr>
@@ -10761,7 +10930,7 @@
       </p:grpSpPr>
       <p:sp>
         <p:nvSpPr>
-          <p:cNvPr id="71" name="Google Shape;71;g107b062fc85_0_0"/>
+          <p:cNvPr id="73" name="Google Shape;73;g107b062fc85_0_0"/>
           <p:cNvSpPr txBox="1"/>
           <p:nvPr>
             <p:ph idx="2" type="body"/>
@@ -10969,7 +11138,7 @@
       </p:sp>
       <p:pic>
         <p:nvPicPr>
-          <p:cNvPr id="72" name="Google Shape;72;g107b062fc85_0_0"/>
+          <p:cNvPr id="74" name="Google Shape;74;g107b062fc85_0_0"/>
           <p:cNvPicPr preferRelativeResize="0"/>
           <p:nvPr/>
         </p:nvPicPr>
@@ -10997,7 +11166,7 @@
       </p:pic>
       <p:pic>
         <p:nvPicPr>
-          <p:cNvPr id="73" name="Google Shape;73;g107b062fc85_0_0"/>
+          <p:cNvPr id="75" name="Google Shape;75;g107b062fc85_0_0"/>
           <p:cNvPicPr preferRelativeResize="0"/>
           <p:nvPr/>
         </p:nvPicPr>
@@ -11025,7 +11194,7 @@
       </p:pic>
       <p:pic>
         <p:nvPicPr>
-          <p:cNvPr id="74" name="Google Shape;74;g107b062fc85_0_0"/>
+          <p:cNvPr id="76" name="Google Shape;76;g107b062fc85_0_0"/>
           <p:cNvPicPr preferRelativeResize="0"/>
           <p:nvPr/>
         </p:nvPicPr>
@@ -11053,7 +11222,7 @@
       </p:pic>
       <p:pic>
         <p:nvPicPr>
-          <p:cNvPr id="75" name="Google Shape;75;g107b062fc85_0_0"/>
+          <p:cNvPr id="77" name="Google Shape;77;g107b062fc85_0_0"/>
           <p:cNvPicPr preferRelativeResize="0"/>
           <p:nvPr/>
         </p:nvPicPr>
@@ -11086,6 +11255,51 @@
           </a:effectLst>
         </p:spPr>
       </p:pic>
+      <p:sp>
+        <p:nvSpPr>
+          <p:cNvPr id="78" name="Google Shape;78;g107b062fc85_0_0"/>
+          <p:cNvSpPr txBox="1"/>
+          <p:nvPr>
+            <p:ph idx="12" type="sldNum"/>
+          </p:nvPr>
+        </p:nvSpPr>
+        <p:spPr>
+          <a:xfrm>
+            <a:off x="8490250" y="4681009"/>
+            <a:ext cx="548700" cy="393600"/>
+          </a:xfrm>
+          <a:prstGeom prst="rect">
+            <a:avLst/>
+          </a:prstGeom>
+        </p:spPr>
+        <p:txBody>
+          <a:bodyPr anchorCtr="0" anchor="ctr" bIns="91425" lIns="91425" spcFirstLastPara="1" rIns="91425" wrap="square" tIns="91425">
+            <a:normAutofit/>
+          </a:bodyPr>
+          <a:lstStyle/>
+          <a:p>
+            <a:pPr indent="0" lvl="0" marL="0" rtl="0" algn="r">
+              <a:spcBef>
+                <a:spcPts val="0"/>
+              </a:spcBef>
+              <a:spcAft>
+                <a:spcPts val="0"/>
+              </a:spcAft>
+              <a:buClr>
+                <a:srgbClr val="000000"/>
+              </a:buClr>
+              <a:buSzPts val="1000"/>
+              <a:buFont typeface="Arial"/>
+              <a:buNone/>
+            </a:pPr>
+            <a:fld id="{00000000-1234-1234-1234-123412341234}" type="slidenum">
+              <a:rPr lang="en-US"/>
+              <a:t>‹#›</a:t>
+            </a:fld>
+            <a:endParaRPr/>
+          </a:p>
+        </p:txBody>
+      </p:sp>
     </p:spTree>
   </p:cSld>
   <p:clrMapOvr>
@@ -11099,7 +11313,7 @@
   <p:cSld>
     <p:spTree>
       <p:nvGrpSpPr>
-        <p:cNvPr id="79" name="Shape 79"/>
+        <p:cNvPr id="82" name="Shape 82"/>
         <p:cNvGrpSpPr/>
         <p:nvPr/>
       </p:nvGrpSpPr>
@@ -11113,7 +11327,7 @@
       </p:grpSpPr>
       <p:sp>
         <p:nvSpPr>
-          <p:cNvPr id="80" name="Google Shape;80;g107d13f02a7_0_0"/>
+          <p:cNvPr id="83" name="Google Shape;83;g107d13f02a7_0_0"/>
           <p:cNvSpPr txBox="1"/>
           <p:nvPr>
             <p:ph idx="2" type="body"/>
@@ -11177,7 +11391,7 @@
       </p:sp>
       <p:pic>
         <p:nvPicPr>
-          <p:cNvPr id="81" name="Google Shape;81;g107d13f02a7_0_0"/>
+          <p:cNvPr id="84" name="Google Shape;84;g107d13f02a7_0_0"/>
           <p:cNvPicPr preferRelativeResize="0"/>
           <p:nvPr/>
         </p:nvPicPr>
@@ -11212,7 +11426,7 @@
       </p:pic>
       <p:pic>
         <p:nvPicPr>
-          <p:cNvPr id="82" name="Google Shape;82;g107d13f02a7_0_0"/>
+          <p:cNvPr id="85" name="Google Shape;85;g107d13f02a7_0_0"/>
           <p:cNvPicPr preferRelativeResize="0"/>
           <p:nvPr/>
         </p:nvPicPr>
@@ -11247,7 +11461,7 @@
       </p:pic>
       <p:pic>
         <p:nvPicPr>
-          <p:cNvPr id="83" name="Google Shape;83;g107d13f02a7_0_0"/>
+          <p:cNvPr id="86" name="Google Shape;86;g107d13f02a7_0_0"/>
           <p:cNvPicPr preferRelativeResize="0"/>
           <p:nvPr/>
         </p:nvPicPr>
@@ -11280,6 +11494,51 @@
           </a:effectLst>
         </p:spPr>
       </p:pic>
+      <p:sp>
+        <p:nvSpPr>
+          <p:cNvPr id="87" name="Google Shape;87;g107d13f02a7_0_0"/>
+          <p:cNvSpPr txBox="1"/>
+          <p:nvPr>
+            <p:ph idx="12" type="sldNum"/>
+          </p:nvPr>
+        </p:nvSpPr>
+        <p:spPr>
+          <a:xfrm>
+            <a:off x="8490250" y="4681009"/>
+            <a:ext cx="548700" cy="393600"/>
+          </a:xfrm>
+          <a:prstGeom prst="rect">
+            <a:avLst/>
+          </a:prstGeom>
+        </p:spPr>
+        <p:txBody>
+          <a:bodyPr anchorCtr="0" anchor="ctr" bIns="91425" lIns="91425" spcFirstLastPara="1" rIns="91425" wrap="square" tIns="91425">
+            <a:normAutofit/>
+          </a:bodyPr>
+          <a:lstStyle/>
+          <a:p>
+            <a:pPr indent="0" lvl="0" marL="0" rtl="0" algn="r">
+              <a:spcBef>
+                <a:spcPts val="0"/>
+              </a:spcBef>
+              <a:spcAft>
+                <a:spcPts val="0"/>
+              </a:spcAft>
+              <a:buClr>
+                <a:srgbClr val="000000"/>
+              </a:buClr>
+              <a:buSzPts val="1000"/>
+              <a:buFont typeface="Arial"/>
+              <a:buNone/>
+            </a:pPr>
+            <a:fld id="{00000000-1234-1234-1234-123412341234}" type="slidenum">
+              <a:rPr lang="en-US"/>
+              <a:t>‹#›</a:t>
+            </a:fld>
+            <a:endParaRPr/>
+          </a:p>
+        </p:txBody>
+      </p:sp>
     </p:spTree>
   </p:cSld>
   <p:clrMapOvr>
@@ -11293,7 +11552,7 @@
   <p:cSld>
     <p:spTree>
       <p:nvGrpSpPr>
-        <p:cNvPr id="87" name="Shape 87"/>
+        <p:cNvPr id="91" name="Shape 91"/>
         <p:cNvGrpSpPr/>
         <p:nvPr/>
       </p:nvGrpSpPr>
@@ -11307,7 +11566,7 @@
       </p:grpSpPr>
       <p:sp>
         <p:nvSpPr>
-          <p:cNvPr id="88" name="Google Shape;88;g107d13f02a7_0_9"/>
+          <p:cNvPr id="92" name="Google Shape;92;g107d13f02a7_0_9"/>
           <p:cNvSpPr txBox="1"/>
           <p:nvPr>
             <p:ph idx="2" type="body"/>
@@ -11363,7 +11622,7 @@
       </p:sp>
       <p:pic>
         <p:nvPicPr>
-          <p:cNvPr id="89" name="Google Shape;89;g107d13f02a7_0_9"/>
+          <p:cNvPr id="93" name="Google Shape;93;g107d13f02a7_0_9"/>
           <p:cNvPicPr preferRelativeResize="0"/>
           <p:nvPr/>
         </p:nvPicPr>
@@ -11398,7 +11657,7 @@
       </p:pic>
       <p:pic>
         <p:nvPicPr>
-          <p:cNvPr id="90" name="Google Shape;90;g107d13f02a7_0_9"/>
+          <p:cNvPr id="94" name="Google Shape;94;g107d13f02a7_0_9"/>
           <p:cNvPicPr preferRelativeResize="0"/>
           <p:nvPr/>
         </p:nvPicPr>
@@ -11433,7 +11692,7 @@
       </p:pic>
       <p:pic>
         <p:nvPicPr>
-          <p:cNvPr id="91" name="Google Shape;91;g107d13f02a7_0_9"/>
+          <p:cNvPr id="95" name="Google Shape;95;g107d13f02a7_0_9"/>
           <p:cNvPicPr preferRelativeResize="0"/>
           <p:nvPr/>
         </p:nvPicPr>
@@ -11466,6 +11725,51 @@
           </a:effectLst>
         </p:spPr>
       </p:pic>
+      <p:sp>
+        <p:nvSpPr>
+          <p:cNvPr id="96" name="Google Shape;96;g107d13f02a7_0_9"/>
+          <p:cNvSpPr txBox="1"/>
+          <p:nvPr>
+            <p:ph idx="12" type="sldNum"/>
+          </p:nvPr>
+        </p:nvSpPr>
+        <p:spPr>
+          <a:xfrm>
+            <a:off x="8490250" y="4681009"/>
+            <a:ext cx="548700" cy="393600"/>
+          </a:xfrm>
+          <a:prstGeom prst="rect">
+            <a:avLst/>
+          </a:prstGeom>
+        </p:spPr>
+        <p:txBody>
+          <a:bodyPr anchorCtr="0" anchor="ctr" bIns="91425" lIns="91425" spcFirstLastPara="1" rIns="91425" wrap="square" tIns="91425">
+            <a:normAutofit/>
+          </a:bodyPr>
+          <a:lstStyle/>
+          <a:p>
+            <a:pPr indent="0" lvl="0" marL="0" rtl="0" algn="r">
+              <a:spcBef>
+                <a:spcPts val="0"/>
+              </a:spcBef>
+              <a:spcAft>
+                <a:spcPts val="0"/>
+              </a:spcAft>
+              <a:buClr>
+                <a:srgbClr val="000000"/>
+              </a:buClr>
+              <a:buSzPts val="1000"/>
+              <a:buFont typeface="Arial"/>
+              <a:buNone/>
+            </a:pPr>
+            <a:fld id="{00000000-1234-1234-1234-123412341234}" type="slidenum">
+              <a:rPr lang="en-US"/>
+              <a:t>‹#›</a:t>
+            </a:fld>
+            <a:endParaRPr/>
+          </a:p>
+        </p:txBody>
+      </p:sp>
     </p:spTree>
   </p:cSld>
   <p:clrMapOvr>
@@ -11479,7 +11783,7 @@
   <p:cSld>
     <p:spTree>
       <p:nvGrpSpPr>
-        <p:cNvPr id="95" name="Shape 95"/>
+        <p:cNvPr id="100" name="Shape 100"/>
         <p:cNvGrpSpPr/>
         <p:nvPr/>
       </p:nvGrpSpPr>
@@ -11493,7 +11797,7 @@
       </p:grpSpPr>
       <p:sp>
         <p:nvSpPr>
-          <p:cNvPr id="96" name="Google Shape;96;p5"/>
+          <p:cNvPr id="101" name="Google Shape;101;p5"/>
           <p:cNvSpPr txBox="1"/>
           <p:nvPr>
             <p:ph idx="2" type="body"/>
@@ -11541,7 +11845,7 @@
       </p:sp>
       <p:pic>
         <p:nvPicPr>
-          <p:cNvPr id="97" name="Google Shape;97;p5"/>
+          <p:cNvPr id="102" name="Google Shape;102;p5"/>
           <p:cNvPicPr preferRelativeResize="0"/>
           <p:nvPr/>
         </p:nvPicPr>
@@ -11567,6 +11871,51 @@
           </a:ln>
         </p:spPr>
       </p:pic>
+      <p:sp>
+        <p:nvSpPr>
+          <p:cNvPr id="103" name="Google Shape;103;p5"/>
+          <p:cNvSpPr txBox="1"/>
+          <p:nvPr>
+            <p:ph idx="12" type="sldNum"/>
+          </p:nvPr>
+        </p:nvSpPr>
+        <p:spPr>
+          <a:xfrm>
+            <a:off x="8490250" y="4681009"/>
+            <a:ext cx="548700" cy="393600"/>
+          </a:xfrm>
+          <a:prstGeom prst="rect">
+            <a:avLst/>
+          </a:prstGeom>
+        </p:spPr>
+        <p:txBody>
+          <a:bodyPr anchorCtr="0" anchor="ctr" bIns="91425" lIns="91425" spcFirstLastPara="1" rIns="91425" wrap="square" tIns="91425">
+            <a:normAutofit/>
+          </a:bodyPr>
+          <a:lstStyle/>
+          <a:p>
+            <a:pPr indent="0" lvl="0" marL="0" rtl="0" algn="r">
+              <a:spcBef>
+                <a:spcPts val="0"/>
+              </a:spcBef>
+              <a:spcAft>
+                <a:spcPts val="0"/>
+              </a:spcAft>
+              <a:buClr>
+                <a:srgbClr val="000000"/>
+              </a:buClr>
+              <a:buSzPts val="1000"/>
+              <a:buFont typeface="Arial"/>
+              <a:buNone/>
+            </a:pPr>
+            <a:fld id="{00000000-1234-1234-1234-123412341234}" type="slidenum">
+              <a:rPr lang="en-US"/>
+              <a:t>‹#›</a:t>
+            </a:fld>
+            <a:endParaRPr/>
+          </a:p>
+        </p:txBody>
+      </p:sp>
     </p:spTree>
   </p:cSld>
   <p:clrMapOvr>
@@ -11580,7 +11929,7 @@
   <p:cSld>
     <p:spTree>
       <p:nvGrpSpPr>
-        <p:cNvPr id="101" name="Shape 101"/>
+        <p:cNvPr id="107" name="Shape 107"/>
         <p:cNvGrpSpPr/>
         <p:nvPr/>
       </p:nvGrpSpPr>
@@ -11594,7 +11943,7 @@
       </p:grpSpPr>
       <p:sp>
         <p:nvSpPr>
-          <p:cNvPr id="102" name="Google Shape;102;g107691bddd6_0_0"/>
+          <p:cNvPr id="108" name="Google Shape;108;g107691bddd6_0_0"/>
           <p:cNvSpPr txBox="1"/>
           <p:nvPr>
             <p:ph type="title"/>
@@ -11634,7 +11983,7 @@
       </p:sp>
       <p:sp>
         <p:nvSpPr>
-          <p:cNvPr id="103" name="Google Shape;103;g107691bddd6_0_0"/>
+          <p:cNvPr id="109" name="Google Shape;109;g107691bddd6_0_0"/>
           <p:cNvSpPr txBox="1"/>
           <p:nvPr>
             <p:ph idx="1" type="subTitle"/>
@@ -11752,7 +12101,7 @@
       </p:sp>
       <p:sp>
         <p:nvSpPr>
-          <p:cNvPr id="104" name="Google Shape;104;g107691bddd6_0_0"/>
+          <p:cNvPr id="110" name="Google Shape;110;g107691bddd6_0_0"/>
           <p:cNvSpPr txBox="1"/>
           <p:nvPr>
             <p:ph idx="2" type="body"/>
@@ -12025,6 +12374,51 @@
           </a:p>
         </p:txBody>
       </p:sp>
+      <p:sp>
+        <p:nvSpPr>
+          <p:cNvPr id="111" name="Google Shape;111;g107691bddd6_0_0"/>
+          <p:cNvSpPr txBox="1"/>
+          <p:nvPr>
+            <p:ph idx="12" type="sldNum"/>
+          </p:nvPr>
+        </p:nvSpPr>
+        <p:spPr>
+          <a:xfrm>
+            <a:off x="8490250" y="4681009"/>
+            <a:ext cx="548700" cy="393600"/>
+          </a:xfrm>
+          <a:prstGeom prst="rect">
+            <a:avLst/>
+          </a:prstGeom>
+        </p:spPr>
+        <p:txBody>
+          <a:bodyPr anchorCtr="0" anchor="ctr" bIns="91425" lIns="91425" spcFirstLastPara="1" rIns="91425" wrap="square" tIns="91425">
+            <a:normAutofit/>
+          </a:bodyPr>
+          <a:lstStyle/>
+          <a:p>
+            <a:pPr indent="0" lvl="0" marL="0" rtl="0" algn="r">
+              <a:spcBef>
+                <a:spcPts val="0"/>
+              </a:spcBef>
+              <a:spcAft>
+                <a:spcPts val="0"/>
+              </a:spcAft>
+              <a:buClr>
+                <a:srgbClr val="000000"/>
+              </a:buClr>
+              <a:buSzPts val="1000"/>
+              <a:buFont typeface="Arial"/>
+              <a:buNone/>
+            </a:pPr>
+            <a:fld id="{00000000-1234-1234-1234-123412341234}" type="slidenum">
+              <a:rPr lang="en-US"/>
+              <a:t>‹#›</a:t>
+            </a:fld>
+            <a:endParaRPr/>
+          </a:p>
+        </p:txBody>
+      </p:sp>
     </p:spTree>
   </p:cSld>
   <p:clrMapOvr>
@@ -12038,7 +12432,7 @@
   <p:cSld>
     <p:spTree>
       <p:nvGrpSpPr>
-        <p:cNvPr id="108" name="Shape 108"/>
+        <p:cNvPr id="115" name="Shape 115"/>
         <p:cNvGrpSpPr/>
         <p:nvPr/>
       </p:nvGrpSpPr>
@@ -12052,7 +12446,7 @@
       </p:grpSpPr>
       <p:sp>
         <p:nvSpPr>
-          <p:cNvPr id="109" name="Google Shape;109;g107691bddd6_0_13"/>
+          <p:cNvPr id="116" name="Google Shape;116;g107691bddd6_0_13"/>
           <p:cNvSpPr txBox="1"/>
           <p:nvPr>
             <p:ph idx="2" type="body"/>
@@ -12143,7 +12537,7 @@
       </p:sp>
       <p:pic>
         <p:nvPicPr>
-          <p:cNvPr id="110" name="Google Shape;110;g107691bddd6_0_13"/>
+          <p:cNvPr id="117" name="Google Shape;117;g107691bddd6_0_13"/>
           <p:cNvPicPr preferRelativeResize="0"/>
           <p:nvPr/>
         </p:nvPicPr>
@@ -12171,7 +12565,7 @@
       </p:pic>
       <p:pic>
         <p:nvPicPr>
-          <p:cNvPr id="111" name="Google Shape;111;g107691bddd6_0_13"/>
+          <p:cNvPr id="118" name="Google Shape;118;g107691bddd6_0_13"/>
           <p:cNvPicPr preferRelativeResize="0"/>
           <p:nvPr/>
         </p:nvPicPr>
@@ -12199,7 +12593,7 @@
       </p:pic>
       <p:pic>
         <p:nvPicPr>
-          <p:cNvPr id="112" name="Google Shape;112;g107691bddd6_0_13"/>
+          <p:cNvPr id="119" name="Google Shape;119;g107691bddd6_0_13"/>
           <p:cNvPicPr preferRelativeResize="0"/>
           <p:nvPr/>
         </p:nvPicPr>
@@ -12225,6 +12619,51 @@
           </a:ln>
         </p:spPr>
       </p:pic>
+      <p:sp>
+        <p:nvSpPr>
+          <p:cNvPr id="120" name="Google Shape;120;g107691bddd6_0_13"/>
+          <p:cNvSpPr txBox="1"/>
+          <p:nvPr>
+            <p:ph idx="12" type="sldNum"/>
+          </p:nvPr>
+        </p:nvSpPr>
+        <p:spPr>
+          <a:xfrm>
+            <a:off x="8490250" y="4681009"/>
+            <a:ext cx="548700" cy="393600"/>
+          </a:xfrm>
+          <a:prstGeom prst="rect">
+            <a:avLst/>
+          </a:prstGeom>
+        </p:spPr>
+        <p:txBody>
+          <a:bodyPr anchorCtr="0" anchor="ctr" bIns="91425" lIns="91425" spcFirstLastPara="1" rIns="91425" wrap="square" tIns="91425">
+            <a:normAutofit/>
+          </a:bodyPr>
+          <a:lstStyle/>
+          <a:p>
+            <a:pPr indent="0" lvl="0" marL="0" rtl="0" algn="r">
+              <a:spcBef>
+                <a:spcPts val="0"/>
+              </a:spcBef>
+              <a:spcAft>
+                <a:spcPts val="0"/>
+              </a:spcAft>
+              <a:buClr>
+                <a:srgbClr val="000000"/>
+              </a:buClr>
+              <a:buSzPts val="1000"/>
+              <a:buFont typeface="Arial"/>
+              <a:buNone/>
+            </a:pPr>
+            <a:fld id="{00000000-1234-1234-1234-123412341234}" type="slidenum">
+              <a:rPr lang="en-US"/>
+              <a:t>‹#›</a:t>
+            </a:fld>
+            <a:endParaRPr/>
+          </a:p>
+        </p:txBody>
+      </p:sp>
     </p:spTree>
   </p:cSld>
   <p:clrMapOvr>
@@ -12260,7 +12699,7 @@
                                       <p:cBhvr>
                                         <p:cTn dur="1300"/>
                                         <p:tgtEl>
-                                          <p:spTgt spid="112"/>
+                                          <p:spTgt spid="119"/>
                                         </p:tgtEl>
                                       </p:cBhvr>
                                     </p:animEffect>
@@ -12272,7 +12711,7 @@
                                           </p:stCondLst>
                                         </p:cTn>
                                         <p:tgtEl>
-                                          <p:spTgt spid="112"/>
+                                          <p:spTgt spid="119"/>
                                         </p:tgtEl>
                                         <p:attrNameLst>
                                           <p:attrName>style.visibility</p:attrName>
@@ -12313,7 +12752,7 @@
                                       <p:cBhvr>
                                         <p:cTn dur="1000"/>
                                         <p:tgtEl>
-                                          <p:spTgt spid="111"/>
+                                          <p:spTgt spid="118"/>
                                         </p:tgtEl>
                                       </p:cBhvr>
                                     </p:animEffect>
@@ -12325,7 +12764,7 @@
                                           </p:stCondLst>
                                         </p:cTn>
                                         <p:tgtEl>
-                                          <p:spTgt spid="111"/>
+                                          <p:spTgt spid="118"/>
                                         </p:tgtEl>
                                         <p:attrNameLst>
                                           <p:attrName>style.visibility</p:attrName>
@@ -12374,7 +12813,7 @@
   <p:cSld>
     <p:spTree>
       <p:nvGrpSpPr>
-        <p:cNvPr id="116" name="Shape 116"/>
+        <p:cNvPr id="124" name="Shape 124"/>
         <p:cNvGrpSpPr/>
         <p:nvPr/>
       </p:nvGrpSpPr>
@@ -12388,7 +12827,7 @@
       </p:grpSpPr>
       <p:sp>
         <p:nvSpPr>
-          <p:cNvPr id="117" name="Google Shape;117;p6"/>
+          <p:cNvPr id="125" name="Google Shape;125;p6"/>
           <p:cNvSpPr txBox="1"/>
           <p:nvPr>
             <p:ph type="ctrTitle"/>
@@ -12430,6 +12869,51 @@
               <a:rPr lang="en-US"/>
               <a:t>Discussion</a:t>
             </a:r>
+            <a:endParaRPr/>
+          </a:p>
+        </p:txBody>
+      </p:sp>
+      <p:sp>
+        <p:nvSpPr>
+          <p:cNvPr id="126" name="Google Shape;126;p6"/>
+          <p:cNvSpPr txBox="1"/>
+          <p:nvPr>
+            <p:ph idx="12" type="sldNum"/>
+          </p:nvPr>
+        </p:nvSpPr>
+        <p:spPr>
+          <a:xfrm>
+            <a:off x="8490250" y="4681009"/>
+            <a:ext cx="548700" cy="393600"/>
+          </a:xfrm>
+          <a:prstGeom prst="rect">
+            <a:avLst/>
+          </a:prstGeom>
+        </p:spPr>
+        <p:txBody>
+          <a:bodyPr anchorCtr="0" anchor="ctr" bIns="91425" lIns="91425" spcFirstLastPara="1" rIns="91425" wrap="square" tIns="91425">
+            <a:normAutofit/>
+          </a:bodyPr>
+          <a:lstStyle/>
+          <a:p>
+            <a:pPr indent="0" lvl="0" marL="0" rtl="0" algn="r">
+              <a:spcBef>
+                <a:spcPts val="0"/>
+              </a:spcBef>
+              <a:spcAft>
+                <a:spcPts val="0"/>
+              </a:spcAft>
+              <a:buClr>
+                <a:srgbClr val="000000"/>
+              </a:buClr>
+              <a:buSzPts val="1000"/>
+              <a:buFont typeface="Arial"/>
+              <a:buNone/>
+            </a:pPr>
+            <a:fld id="{00000000-1234-1234-1234-123412341234}" type="slidenum">
+              <a:rPr lang="en-US"/>
+              <a:t>‹#›</a:t>
+            </a:fld>
             <a:endParaRPr/>
           </a:p>
         </p:txBody>
